--- a/深圳地铁智能施工管控项目总结报告.pptx
+++ b/深圳地铁智能施工管控项目总结报告.pptx
@@ -2935,18 +2935,79 @@
         </p:nvSpPr>
         <p:spPr>
           <a:xfrm>
-            <a:off x="1524000" y="1276350"/>
-            <a:ext cx="9144000" cy="1134745"/>
+            <a:off x="1524000" y="1139825"/>
+            <a:ext cx="8608060" cy="1744345"/>
           </a:xfrm>
         </p:spPr>
         <p:txBody>
-          <a:bodyPr/>
-          <a:p>
-            <a:r>
-              <a:rPr lang="zh-CN" altLang="en-US"/>
-              <a:t>项目总结报告</a:t>
-            </a:r>
-            <a:endParaRPr lang="zh-CN" altLang="en-US"/>
+          <a:bodyPr>
+            <a:normAutofit fontScale="90000"/>
+          </a:bodyPr>
+          <a:p>
+            <a:r>
+              <a:rPr lang="zh-CN" altLang="en-US" sz="4000">
+                <a:ln/>
+                <a:solidFill>
+                  <a:schemeClr val="tx1"/>
+                </a:solidFill>
+                <a:effectLst>
+                  <a:outerShdw blurRad="38100" dist="19050" dir="2700000" algn="tl" rotWithShape="0">
+                    <a:schemeClr val="dk1">
+                      <a:alpha val="40000"/>
+                    </a:schemeClr>
+                  </a:outerShdw>
+                </a:effectLst>
+                <a:latin typeface="华文宋体" panose="02010600040101010101" charset="-122"/>
+                <a:ea typeface="华文宋体" panose="02010600040101010101" charset="-122"/>
+                <a:cs typeface="华文宋体" panose="02010600040101010101" charset="-122"/>
+                <a:sym typeface="+mn-ea"/>
+              </a:rPr>
+              <a:t>运营总部施工作业智能管控系统科研项目</a:t>
+            </a:r>
+            <a:br>
+              <a:rPr lang="zh-CN" altLang="en-US" sz="4000">
+                <a:ln/>
+                <a:solidFill>
+                  <a:schemeClr val="tx1"/>
+                </a:solidFill>
+                <a:effectLst>
+                  <a:outerShdw blurRad="38100" dist="19050" dir="2700000" algn="tl" rotWithShape="0">
+                    <a:schemeClr val="dk1">
+                      <a:alpha val="40000"/>
+                    </a:schemeClr>
+                  </a:outerShdw>
+                </a:effectLst>
+              </a:rPr>
+            </a:br>
+            <a:r>
+              <a:rPr lang="zh-CN" altLang="en-US" sz="4000">
+                <a:ln/>
+                <a:solidFill>
+                  <a:schemeClr val="tx1"/>
+                </a:solidFill>
+                <a:effectLst>
+                  <a:outerShdw blurRad="38100" dist="19050" dir="2700000" algn="tl" rotWithShape="0">
+                    <a:schemeClr val="dk1">
+                      <a:alpha val="40000"/>
+                    </a:schemeClr>
+                  </a:outerShdw>
+                </a:effectLst>
+              </a:rPr>
+              <a:t>总结报告</a:t>
+            </a:r>
+            <a:endParaRPr lang="zh-CN" altLang="en-US" sz="4000">
+              <a:ln/>
+              <a:solidFill>
+                <a:schemeClr val="tx1"/>
+              </a:solidFill>
+              <a:effectLst>
+                <a:outerShdw blurRad="38100" dist="19050" dir="2700000" algn="tl" rotWithShape="0">
+                  <a:schemeClr val="dk1">
+                    <a:alpha val="40000"/>
+                  </a:schemeClr>
+                </a:outerShdw>
+              </a:effectLst>
+            </a:endParaRPr>
           </a:p>
         </p:txBody>
       </p:sp>
@@ -2963,13 +3024,17 @@
         <p:spPr>
           <a:xfrm>
             <a:off x="1524000" y="4237990"/>
-            <a:ext cx="9144000" cy="1019810"/>
+            <a:ext cx="9144000" cy="1691005"/>
           </a:xfrm>
         </p:spPr>
         <p:txBody>
           <a:bodyPr/>
           <a:p>
             <a:pPr algn="r"/>
+            <a:r>
+              <a:rPr lang="zh-CN" altLang="en-US"/>
+              <a:t>陕西力拓智能交通科技有限公司</a:t>
+            </a:r>
             <a:endParaRPr lang="en-US" altLang="zh-CN"/>
           </a:p>
           <a:p>
@@ -2990,6 +3055,10 @@
               <a:rPr lang="zh-CN" altLang="en-US"/>
               <a:t>月</a:t>
             </a:r>
+            <a:endParaRPr lang="zh-CN" altLang="en-US"/>
+          </a:p>
+          <a:p>
+            <a:pPr algn="r"/>
             <a:endParaRPr lang="zh-CN" altLang="en-US"/>
           </a:p>
         </p:txBody>
@@ -3047,14 +3116,22 @@
             <p:ph idx="1"/>
           </p:nvPr>
         </p:nvSpPr>
-        <p:spPr/>
-        <p:txBody>
-          <a:bodyPr/>
-          <a:p>
-            <a:pPr marL="342900" indent="-342900">
+        <p:spPr>
+          <a:xfrm>
+            <a:off x="838200" y="1362075"/>
+            <a:ext cx="10515600" cy="4815205"/>
+          </a:xfrm>
+        </p:spPr>
+        <p:txBody>
+          <a:bodyPr>
+            <a:normAutofit fontScale="80000"/>
+          </a:bodyPr>
+          <a:p>
+            <a:pPr marL="0" indent="0">
               <a:lnSpc>
                 <a:spcPct val="140000"/>
               </a:lnSpc>
+              <a:buNone/>
             </a:pPr>
             <a:r>
               <a:rPr lang="en-US" altLang="zh-CN">
@@ -3062,9 +3139,156 @@
                 <a:ea typeface="华文宋体" panose="02010600040101010101" charset="-122"/>
                 <a:sym typeface="+mn-ea"/>
               </a:rPr>
-              <a:t> </a:t>
-            </a:r>
-            <a:endParaRPr lang="en-US" altLang="zh-CN"/>
+              <a:t>        </a:t>
+            </a:r>
+            <a:r>
+              <a:rPr lang="zh-CN" altLang="en-US">
+                <a:latin typeface="华文宋体" panose="02010600040101010101" charset="-122"/>
+                <a:ea typeface="华文宋体" panose="02010600040101010101" charset="-122"/>
+                <a:sym typeface="+mn-ea"/>
+              </a:rPr>
+              <a:t>该项目历时半年，时间紧，任务重，涉及技术面广，从简单的单片机自动控制技术，到复杂的</a:t>
+            </a:r>
+            <a:r>
+              <a:rPr lang="en-US" altLang="zh-CN">
+                <a:latin typeface="华文宋体" panose="02010600040101010101" charset="-122"/>
+                <a:ea typeface="华文宋体" panose="02010600040101010101" charset="-122"/>
+                <a:sym typeface="+mn-ea"/>
+              </a:rPr>
+              <a:t>java web </a:t>
+            </a:r>
+            <a:r>
+              <a:rPr lang="zh-CN" altLang="en-US">
+                <a:latin typeface="华文宋体" panose="02010600040101010101" charset="-122"/>
+                <a:ea typeface="华文宋体" panose="02010600040101010101" charset="-122"/>
+                <a:sym typeface="+mn-ea"/>
+              </a:rPr>
+              <a:t>技术、分布式消息处理（</a:t>
+            </a:r>
+            <a:r>
+              <a:rPr lang="en-US" altLang="zh-CN">
+                <a:latin typeface="华文宋体" panose="02010600040101010101" charset="-122"/>
+                <a:ea typeface="华文宋体" panose="02010600040101010101" charset="-122"/>
+                <a:sym typeface="+mn-ea"/>
+              </a:rPr>
+              <a:t>MQ</a:t>
+            </a:r>
+            <a:r>
+              <a:rPr lang="zh-CN" altLang="en-US">
+                <a:latin typeface="华文宋体" panose="02010600040101010101" charset="-122"/>
+                <a:ea typeface="华文宋体" panose="02010600040101010101" charset="-122"/>
+                <a:sym typeface="+mn-ea"/>
+              </a:rPr>
+              <a:t>），人员、车辆定位技术，以及前沿的人工智能（</a:t>
+            </a:r>
+            <a:r>
+              <a:rPr lang="en-US" altLang="zh-CN">
+                <a:latin typeface="华文宋体" panose="02010600040101010101" charset="-122"/>
+                <a:ea typeface="华文宋体" panose="02010600040101010101" charset="-122"/>
+                <a:sym typeface="+mn-ea"/>
+              </a:rPr>
+              <a:t>AI</a:t>
+            </a:r>
+            <a:r>
+              <a:rPr lang="zh-CN" altLang="en-US">
+                <a:latin typeface="华文宋体" panose="02010600040101010101" charset="-122"/>
+                <a:ea typeface="华文宋体" panose="02010600040101010101" charset="-122"/>
+                <a:sym typeface="+mn-ea"/>
+              </a:rPr>
+              <a:t>）技术的应用。一切的技术手段都是为了保障施工作业安全的管控、提高施工作业效率、增加作业时间、降低施工成本为目的。</a:t>
+            </a:r>
+            <a:endParaRPr lang="zh-CN" altLang="en-US">
+              <a:latin typeface="华文宋体" panose="02010600040101010101" charset="-122"/>
+              <a:ea typeface="华文宋体" panose="02010600040101010101" charset="-122"/>
+              <a:sym typeface="+mn-ea"/>
+            </a:endParaRPr>
+          </a:p>
+          <a:p>
+            <a:pPr marL="0" indent="0">
+              <a:lnSpc>
+                <a:spcPct val="140000"/>
+              </a:lnSpc>
+              <a:buNone/>
+            </a:pPr>
+            <a:r>
+              <a:rPr lang="zh-CN" altLang="en-US">
+                <a:latin typeface="华文宋体" panose="02010600040101010101" charset="-122"/>
+                <a:ea typeface="华文宋体" panose="02010600040101010101" charset="-122"/>
+                <a:sym typeface="+mn-ea"/>
+              </a:rPr>
+              <a:t>        由于地铁运维夜间施工作业时间比较短，对整个系统软硬件联调增加了很大的难度，经过很多次的集成测试和</a:t>
+            </a:r>
+            <a:r>
+              <a:rPr lang="en-US" altLang="zh-CN">
+                <a:latin typeface="华文宋体" panose="02010600040101010101" charset="-122"/>
+                <a:ea typeface="华文宋体" panose="02010600040101010101" charset="-122"/>
+                <a:sym typeface="+mn-ea"/>
+              </a:rPr>
+              <a:t>5</a:t>
+            </a:r>
+            <a:r>
+              <a:rPr lang="zh-CN" altLang="en-US">
+                <a:latin typeface="华文宋体" panose="02010600040101010101" charset="-122"/>
+                <a:ea typeface="华文宋体" panose="02010600040101010101" charset="-122"/>
+                <a:sym typeface="+mn-ea"/>
+              </a:rPr>
+              <a:t>次正式的联调测试才使系统</a:t>
+            </a:r>
+            <a:r>
+              <a:rPr lang="zh-CN" altLang="en-US">
+                <a:latin typeface="华文宋体" panose="02010600040101010101" charset="-122"/>
+                <a:ea typeface="华文宋体" panose="02010600040101010101" charset="-122"/>
+                <a:sym typeface="+mn-ea"/>
+              </a:rPr>
+              <a:t>达到了稳定可靠的运行使用。</a:t>
+            </a:r>
+            <a:endParaRPr lang="zh-CN" altLang="en-US">
+              <a:latin typeface="华文宋体" panose="02010600040101010101" charset="-122"/>
+              <a:ea typeface="华文宋体" panose="02010600040101010101" charset="-122"/>
+              <a:sym typeface="+mn-ea"/>
+            </a:endParaRPr>
+          </a:p>
+          <a:p>
+            <a:pPr marL="0" indent="0">
+              <a:lnSpc>
+                <a:spcPct val="140000"/>
+              </a:lnSpc>
+              <a:buNone/>
+            </a:pPr>
+            <a:r>
+              <a:rPr lang="zh-CN" altLang="en-US">
+                <a:latin typeface="华文宋体" panose="02010600040101010101" charset="-122"/>
+                <a:ea typeface="华文宋体" panose="02010600040101010101" charset="-122"/>
+                <a:sym typeface="+mn-ea"/>
+              </a:rPr>
+              <a:t>         感谢在此项目中努力奋斗、积极配合的各方参与者。</a:t>
+            </a:r>
+            <a:endParaRPr lang="zh-CN" altLang="en-US">
+              <a:latin typeface="华文宋体" panose="02010600040101010101" charset="-122"/>
+              <a:ea typeface="华文宋体" panose="02010600040101010101" charset="-122"/>
+              <a:sym typeface="+mn-ea"/>
+            </a:endParaRPr>
+          </a:p>
+          <a:p>
+            <a:pPr marL="0" indent="0" algn="ctr">
+              <a:lnSpc>
+                <a:spcPct val="140000"/>
+              </a:lnSpc>
+              <a:buNone/>
+            </a:pPr>
+            <a:r>
+              <a:rPr lang="zh-CN" altLang="en-US">
+                <a:latin typeface="华文宋体" panose="02010600040101010101" charset="-122"/>
+                <a:ea typeface="华文宋体" panose="02010600040101010101" charset="-122"/>
+                <a:sym typeface="+mn-ea"/>
+              </a:rPr>
+              <a:t>                                                                                     谢谢大家！   </a:t>
+            </a:r>
+            <a:endParaRPr lang="zh-CN" altLang="en-US">
+              <a:latin typeface="华文宋体" panose="02010600040101010101" charset="-122"/>
+              <a:ea typeface="华文宋体" panose="02010600040101010101" charset="-122"/>
+              <a:sym typeface="+mn-ea"/>
+            </a:endParaRPr>
           </a:p>
         </p:txBody>
       </p:sp>

--- a/深圳地铁智能施工管控项目总结报告.pptx
+++ b/深圳地铁智能施工管控项目总结报告.pptx
@@ -14407,8 +14407,8 @@
         </p:nvSpPr>
         <p:spPr>
           <a:xfrm>
-            <a:off x="669925" y="443230"/>
-            <a:ext cx="10852150" cy="1032510"/>
+            <a:off x="838835" y="443230"/>
+            <a:ext cx="10683240" cy="1032510"/>
           </a:xfrm>
         </p:spPr>
         <p:txBody>
@@ -14693,8 +14693,8 @@
         </p:nvSpPr>
         <p:spPr>
           <a:xfrm>
-            <a:off x="669925" y="443230"/>
-            <a:ext cx="10852150" cy="822325"/>
+            <a:off x="896620" y="443230"/>
+            <a:ext cx="10625455" cy="822325"/>
           </a:xfrm>
         </p:spPr>
         <p:txBody>
@@ -14844,7 +14844,7 @@
                 <a:ea typeface="华文宋体" panose="02010600040101010101" charset="-122"/>
                 <a:sym typeface="+mn-ea"/>
               </a:rPr>
-              <a:t>次正式的联调测试才使系统</a:t>
+              <a:t>次正式的联调测试，最终</a:t>
             </a:r>
             <a:r>
               <a:rPr lang="zh-CN" altLang="en-US" sz="2400">
@@ -14852,7 +14852,23 @@
                 <a:ea typeface="华文宋体" panose="02010600040101010101" charset="-122"/>
                 <a:sym typeface="+mn-ea"/>
               </a:rPr>
-              <a:t>达到了稳定可靠的运行使用。</a:t>
+              <a:t>达到了</a:t>
+            </a:r>
+            <a:r>
+              <a:rPr sz="2400">
+                <a:latin typeface="华文宋体" panose="02010600040101010101" charset="-122"/>
+                <a:ea typeface="华文宋体" panose="02010600040101010101" charset="-122"/>
+                <a:sym typeface="+mn-ea"/>
+              </a:rPr>
+              <a:t>系统</a:t>
+            </a:r>
+            <a:r>
+              <a:rPr lang="zh-CN" altLang="en-US" sz="2400">
+                <a:latin typeface="华文宋体" panose="02010600040101010101" charset="-122"/>
+                <a:ea typeface="华文宋体" panose="02010600040101010101" charset="-122"/>
+                <a:sym typeface="+mn-ea"/>
+              </a:rPr>
+              <a:t>稳定可靠的运行使用。</a:t>
             </a:r>
             <a:endParaRPr lang="zh-CN" altLang="en-US" sz="2400">
               <a:latin typeface="华文宋体" panose="02010600040101010101" charset="-122"/>
@@ -16276,8 +16292,8 @@
         </p:nvSpPr>
         <p:spPr>
           <a:xfrm>
-            <a:off x="1247140" y="154305"/>
-            <a:ext cx="10106660" cy="953770"/>
+            <a:off x="1247140" y="326390"/>
+            <a:ext cx="10106660" cy="781685"/>
           </a:xfrm>
         </p:spPr>
         <p:txBody>

--- a/深圳地铁智能施工管控项目总结报告.pptx
+++ b/深圳地铁智能施工管控项目总结报告.pptx
@@ -14173,8 +14173,8 @@
         </p:nvSpPr>
         <p:spPr>
           <a:xfrm>
-            <a:off x="4292600" y="236855"/>
-            <a:ext cx="7402195" cy="1831340"/>
+            <a:off x="3983355" y="236855"/>
+            <a:ext cx="7711440" cy="1831340"/>
           </a:xfrm>
         </p:spPr>
         <p:txBody>
@@ -14182,43 +14182,6 @@
             <a:normAutofit fontScale="90000"/>
           </a:bodyPr>
           <a:p>
-            <a:r>
-              <a:rPr lang="zh-CN" altLang="en-US" sz="4000">
-                <a:solidFill>
-                  <a:schemeClr val="accent1">
-                    <a:lumMod val="60000"/>
-                    <a:lumOff val="40000"/>
-                  </a:schemeClr>
-                </a:solidFill>
-                <a:effectLst>
-                  <a:outerShdw blurRad="38100" dist="19050" dir="2700000" algn="tl" rotWithShape="0">
-                    <a:schemeClr val="dk1">
-                      <a:alpha val="40000"/>
-                    </a:schemeClr>
-                  </a:outerShdw>
-                </a:effectLst>
-                <a:latin typeface="华文宋体" panose="02010600040101010101" charset="-122"/>
-                <a:ea typeface="华文宋体" panose="02010600040101010101" charset="-122"/>
-                <a:cs typeface="华文宋体" panose="02010600040101010101" charset="-122"/>
-                <a:sym typeface="+mn-ea"/>
-              </a:rPr>
-              <a:t>运营</a:t>
-            </a:r>
-            <a:r>
-              <a:rPr lang="zh-CN" altLang="en-US" sz="4000" spc="200">
-                <a:solidFill>
-                  <a:schemeClr val="accent1">
-                    <a:lumMod val="60000"/>
-                    <a:lumOff val="40000"/>
-                  </a:schemeClr>
-                </a:solidFill>
-                <a:latin typeface="华文宋体" panose="02010600040101010101" charset="-122"/>
-                <a:ea typeface="华文宋体" panose="02010600040101010101" charset="-122"/>
-                <a:cs typeface="华文宋体" panose="02010600040101010101" charset="-122"/>
-                <a:sym typeface="+mn-ea"/>
-              </a:rPr>
-              <a:t>总部</a:t>
-            </a:r>
             <a:r>
               <a:rPr lang="zh-CN" altLang="en-US" sz="4000">
                 <a:solidFill>
@@ -14553,7 +14516,7 @@
                 <a:cs typeface="华文宋体" panose="02010600040101010101" charset="-122"/>
                 <a:sym typeface="+mn-ea"/>
               </a:rPr>
-              <a:t>显示自动挂拆地线系统装置的实时状态，在人工挂拆地线的情况下，系统具备人工录入地线位置功能；</a:t>
+              <a:t>显示自动挂拆地线系统装置的实时状态，在人工挂拆地线的情况下，系统具备人工录入地线位置功能。</a:t>
             </a:r>
             <a:endParaRPr lang="zh-CN" altLang="en-US" sz="2800">
               <a:latin typeface="华文宋体" panose="02010600040101010101" charset="-122"/>
@@ -14577,7 +14540,7 @@
                 <a:cs typeface="华文宋体" panose="02010600040101010101" charset="-122"/>
                 <a:sym typeface="+mn-ea"/>
               </a:rPr>
-              <a:t>与红闪灯自动设置子系统形成关联，实时显示该系统工况</a:t>
+              <a:t>与红闪灯自动设置子系统形成关联，实时显示该系统工况。</a:t>
             </a:r>
             <a:endParaRPr lang="zh-CN" altLang="en-US" sz="2800">
               <a:latin typeface="华文宋体" panose="02010600040101010101" charset="-122"/>
@@ -14601,31 +14564,7 @@
                 <a:cs typeface="华文宋体" panose="02010600040101010101" charset="-122"/>
                 <a:sym typeface="+mn-ea"/>
               </a:rPr>
-              <a:t>当人车或车车的距离小于安全防护距离时，人车定位子系统报警信息在此自动弹出</a:t>
-            </a:r>
-            <a:endParaRPr lang="zh-CN" altLang="en-US" sz="2800">
-              <a:latin typeface="华文宋体" panose="02010600040101010101" charset="-122"/>
-              <a:ea typeface="华文宋体" panose="02010600040101010101" charset="-122"/>
-              <a:cs typeface="华文宋体" panose="02010600040101010101" charset="-122"/>
-              <a:sym typeface="+mn-ea"/>
-            </a:endParaRPr>
-          </a:p>
-          <a:p>
-            <a:pPr marL="914400" lvl="1" indent="-457200">
-              <a:lnSpc>
-                <a:spcPct val="120000"/>
-              </a:lnSpc>
-              <a:buFont typeface="+mj-lt"/>
-              <a:buAutoNum type="arabicPeriod"/>
-            </a:pPr>
-            <a:r>
-              <a:rPr lang="zh-CN" altLang="en-US" sz="2800">
-                <a:latin typeface="华文宋体" panose="02010600040101010101" charset="-122"/>
-                <a:ea typeface="华文宋体" panose="02010600040101010101" charset="-122"/>
-                <a:cs typeface="华文宋体" panose="02010600040101010101" charset="-122"/>
-                <a:sym typeface="+mn-ea"/>
-              </a:rPr>
-              <a:t>根据列车运行轨迹对前方道岔状态进行挤岔复测，不满足安全行进条件时产生按安全距离产生声光报警</a:t>
+              <a:t>当人车或车车的距离小于安全防护距离时，人车定位子系统报警信息在此自动弹出。根据列车运行轨迹对前方道岔状态进行挤岔复测，不满足安全行进条件时产生按安全距离产生声光报警。</a:t>
             </a:r>
             <a:endParaRPr lang="zh-CN" altLang="en-US" sz="2800">
               <a:latin typeface="华文宋体" panose="02010600040101010101" charset="-122"/>
@@ -17254,7 +17193,7 @@
                 <a:cs typeface="华文宋体" panose="02010600040101010101" charset="-122"/>
                 <a:sym typeface="+mn-ea"/>
               </a:rPr>
-              <a:t>根据已批准单项施工作业，自动点亮该作业占用区域最外两端红闪灯</a:t>
+              <a:t>根据已批准单项施工作业，自动点亮该作业占用区域最外两端红闪灯。</a:t>
             </a:r>
             <a:endParaRPr lang="zh-CN" altLang="en-US" sz="2400">
               <a:latin typeface="华文宋体" panose="02010600040101010101" charset="-122"/>
@@ -17280,7 +17219,7 @@
                 <a:cs typeface="华文宋体" panose="02010600040101010101" charset="-122"/>
                 <a:sym typeface="+mn-ea"/>
               </a:rPr>
-              <a:t>根据已核销点作业区域变化，自动调整熄灭及点亮相应红闪灯，始终点亮作业区域最外两端的红闪灯</a:t>
+              <a:t>根据已核销点作业区域变化，自动调整熄灭及点亮相应红闪灯，始终点亮作业区域最外两端的红闪灯。</a:t>
             </a:r>
             <a:endParaRPr lang="zh-CN" altLang="en-US" sz="2400">
               <a:latin typeface="华文宋体" panose="02010600040101010101" charset="-122"/>
@@ -17328,7 +17267,7 @@
                 <a:cs typeface="华文宋体" panose="02010600040101010101" charset="-122"/>
                 <a:sym typeface="+mn-ea"/>
               </a:rPr>
-              <a:t>对已点亮启动防护功能的红闪灯实时监测，遇红闪灯灭灯故障时，需自行点亮原防护区域外最近的红闪灯。另将该报警推送至客户端，安排人员在故障灯处人工设置红闪灯</a:t>
+              <a:t>对已点亮启动防护功能的红闪灯实时监测，遇红闪灯灭灯故障时，需自行点亮原防护区域外最近的红闪灯。另将该报警推送至客户端，安排人员在故障灯处人工设置红闪灯。</a:t>
             </a:r>
             <a:endParaRPr lang="en-US" altLang="zh-CN" sz="2400">
               <a:latin typeface="华文宋体" panose="02010600040101010101" charset="-122"/>
@@ -17457,7 +17396,7 @@
                 <a:cs typeface="华文宋体" panose="02010600040101010101" charset="-122"/>
                 <a:sym typeface="+mn-ea"/>
               </a:rPr>
-              <a:t>记录作业人员进出轨行区时间、数量、身份、作业区域等相关信息</a:t>
+              <a:t>记录作业人员进出轨行区时间、数量、身份、作业区域等相关信息。</a:t>
             </a:r>
             <a:endParaRPr lang="zh-CN" altLang="en-US" sz="2400">
               <a:latin typeface="华文宋体" panose="02010600040101010101" charset="-122"/>
@@ -17483,7 +17422,7 @@
                 <a:cs typeface="华文宋体" panose="02010600040101010101" charset="-122"/>
                 <a:sym typeface="+mn-ea"/>
               </a:rPr>
-              <a:t>精确定位人员、列车的区间位置，根据现场情况动态变化在动态地图上实时显示</a:t>
+              <a:t>精确定位人员、列车的区间位置，根据现场情况动态变化在动态地图上实时显示。</a:t>
             </a:r>
             <a:endParaRPr lang="zh-CN" altLang="en-US" sz="2400">
               <a:latin typeface="华文宋体" panose="02010600040101010101" charset="-122"/>
@@ -17507,7 +17446,7 @@
                 <a:cs typeface="华文宋体" panose="02010600040101010101" charset="-122"/>
                 <a:sym typeface="+mn-ea"/>
               </a:rPr>
-              <a:t>实现人车、车车安全防护距离监控，当防护距离小于规定安全防护距离时产生相关报警，自行启动相应的防护措施</a:t>
+              <a:t>实现人车、车车安全防护距离监控，当防护距离小于规定安全防护距离时产生相关报警，自行启动相应的防护措施。</a:t>
             </a:r>
             <a:endParaRPr lang="zh-CN" altLang="en-US" sz="2400">
               <a:latin typeface="华文宋体" panose="02010600040101010101" charset="-122"/>
@@ -17531,7 +17470,7 @@
                 <a:cs typeface="华文宋体" panose="02010600040101010101" charset="-122"/>
                 <a:sym typeface="+mn-ea"/>
               </a:rPr>
-              <a:t>实现施工作业人员进入未满足防护条件（接触网停电状态、地线挂接情况）的作业区域报警功能</a:t>
+              <a:t>实现施工作业人员进入未满足防护条件（接触网停电状态、地线挂接情况）的作业区域报警功能。</a:t>
             </a:r>
             <a:endParaRPr lang="en-US" altLang="zh-CN" sz="2400">
               <a:latin typeface="华文宋体" panose="02010600040101010101" charset="-122"/>
@@ -17665,7 +17604,7 @@
                 <a:cs typeface="华文宋体" panose="02010600040101010101" charset="-122"/>
                 <a:sym typeface="+mn-ea"/>
               </a:rPr>
-              <a:t>各线路出入站台轨行区、联络通道等重点区域设置摄像头，对指定区域进行电子围栏监控，当侵入进行自动报警，并具备侵入行为推送文字加图片报警信息，实现轨行区封闭管理；</a:t>
+              <a:t>各线路出入站台轨行区、联络通道等重点区域设置摄像头，对指定区域进行电子围栏监控，当侵入进行自动报警，并具备侵入行为推送文字加图片报警信息，实现轨行区封闭管理。</a:t>
             </a:r>
             <a:endParaRPr lang="zh-CN" altLang="en-US" sz="2400">
               <a:latin typeface="华文宋体" panose="02010600040101010101" charset="-122"/>
@@ -17882,7 +17821,7 @@
                 <a:cs typeface="华文宋体" panose="02010600040101010101" charset="-122"/>
                 <a:sym typeface="+mn-ea"/>
               </a:rPr>
-              <a:t>系统日志操作记录</a:t>
+              <a:t>系统日志操作记录。</a:t>
             </a:r>
             <a:endParaRPr lang="zh-CN" altLang="en-US" sz="2400">
               <a:latin typeface="华文宋体" panose="02010600040101010101" charset="-122"/>
@@ -17906,7 +17845,7 @@
                 <a:cs typeface="华文宋体" panose="02010600040101010101" charset="-122"/>
                 <a:sym typeface="+mn-ea"/>
               </a:rPr>
-              <a:t>生成数据统计、分析报表功能</a:t>
+              <a:t>生成数据统计、分析报表功能。</a:t>
             </a:r>
             <a:endParaRPr lang="zh-CN" altLang="en-US" sz="2400">
               <a:latin typeface="华文宋体" panose="02010600040101010101" charset="-122"/>
@@ -17930,7 +17869,7 @@
                 <a:cs typeface="华文宋体" panose="02010600040101010101" charset="-122"/>
                 <a:sym typeface="+mn-ea"/>
               </a:rPr>
-              <a:t>外单位施工作业人员信息管理功能</a:t>
+              <a:t>外单位施工作业人员信息管理功能。</a:t>
             </a:r>
             <a:endParaRPr lang="zh-CN" altLang="en-US" sz="2400">
               <a:latin typeface="华文宋体" panose="02010600040101010101" charset="-122"/>
